--- a/던그리드 작업.pptx
+++ b/던그리드 작업.pptx
@@ -9,6 +9,7 @@
     <p:sldId id="256" r:id="rId3"/>
     <p:sldId id="257" r:id="rId4"/>
     <p:sldId id="259" r:id="rId5"/>
+    <p:sldId id="260" r:id="rId6"/>
   </p:sldIdLst>
   <p:sldSz cx="12192000" cy="6858000"/>
   <p:notesSz cx="6858000" cy="9144000"/>
@@ -2319,7 +2320,7 @@
           <a:p>
             <a:fld id="{FFDD0AB6-E136-4BD9-9DF1-779E339B8ACF}" type="datetimeFigureOut">
               <a:rPr lang="ko-KR" altLang="en-US" smtClean="0"/>
-              <a:t>2023-04-10</a:t>
+              <a:t>2023-04-14</a:t>
             </a:fld>
             <a:endParaRPr lang="ko-KR" altLang="en-US"/>
           </a:p>
@@ -2517,7 +2518,7 @@
           <a:p>
             <a:fld id="{FFDD0AB6-E136-4BD9-9DF1-779E339B8ACF}" type="datetimeFigureOut">
               <a:rPr lang="ko-KR" altLang="en-US" smtClean="0"/>
-              <a:t>2023-04-10</a:t>
+              <a:t>2023-04-14</a:t>
             </a:fld>
             <a:endParaRPr lang="ko-KR" altLang="en-US"/>
           </a:p>
@@ -2725,7 +2726,7 @@
           <a:p>
             <a:fld id="{FFDD0AB6-E136-4BD9-9DF1-779E339B8ACF}" type="datetimeFigureOut">
               <a:rPr lang="ko-KR" altLang="en-US" smtClean="0"/>
-              <a:t>2023-04-10</a:t>
+              <a:t>2023-04-14</a:t>
             </a:fld>
             <a:endParaRPr lang="ko-KR" altLang="en-US"/>
           </a:p>
@@ -2923,7 +2924,7 @@
           <a:p>
             <a:fld id="{FFDD0AB6-E136-4BD9-9DF1-779E339B8ACF}" type="datetimeFigureOut">
               <a:rPr lang="ko-KR" altLang="en-US" smtClean="0"/>
-              <a:t>2023-04-10</a:t>
+              <a:t>2023-04-14</a:t>
             </a:fld>
             <a:endParaRPr lang="ko-KR" altLang="en-US"/>
           </a:p>
@@ -3198,7 +3199,7 @@
           <a:p>
             <a:fld id="{FFDD0AB6-E136-4BD9-9DF1-779E339B8ACF}" type="datetimeFigureOut">
               <a:rPr lang="ko-KR" altLang="en-US" smtClean="0"/>
-              <a:t>2023-04-10</a:t>
+              <a:t>2023-04-14</a:t>
             </a:fld>
             <a:endParaRPr lang="ko-KR" altLang="en-US"/>
           </a:p>
@@ -3463,7 +3464,7 @@
           <a:p>
             <a:fld id="{FFDD0AB6-E136-4BD9-9DF1-779E339B8ACF}" type="datetimeFigureOut">
               <a:rPr lang="ko-KR" altLang="en-US" smtClean="0"/>
-              <a:t>2023-04-10</a:t>
+              <a:t>2023-04-14</a:t>
             </a:fld>
             <a:endParaRPr lang="ko-KR" altLang="en-US"/>
           </a:p>
@@ -3875,7 +3876,7 @@
           <a:p>
             <a:fld id="{FFDD0AB6-E136-4BD9-9DF1-779E339B8ACF}" type="datetimeFigureOut">
               <a:rPr lang="ko-KR" altLang="en-US" smtClean="0"/>
-              <a:t>2023-04-10</a:t>
+              <a:t>2023-04-14</a:t>
             </a:fld>
             <a:endParaRPr lang="ko-KR" altLang="en-US"/>
           </a:p>
@@ -4016,7 +4017,7 @@
           <a:p>
             <a:fld id="{FFDD0AB6-E136-4BD9-9DF1-779E339B8ACF}" type="datetimeFigureOut">
               <a:rPr lang="ko-KR" altLang="en-US" smtClean="0"/>
-              <a:t>2023-04-10</a:t>
+              <a:t>2023-04-14</a:t>
             </a:fld>
             <a:endParaRPr lang="ko-KR" altLang="en-US"/>
           </a:p>
@@ -4129,7 +4130,7 @@
           <a:p>
             <a:fld id="{FFDD0AB6-E136-4BD9-9DF1-779E339B8ACF}" type="datetimeFigureOut">
               <a:rPr lang="ko-KR" altLang="en-US" smtClean="0"/>
-              <a:t>2023-04-10</a:t>
+              <a:t>2023-04-14</a:t>
             </a:fld>
             <a:endParaRPr lang="ko-KR" altLang="en-US"/>
           </a:p>
@@ -4440,7 +4441,7 @@
           <a:p>
             <a:fld id="{FFDD0AB6-E136-4BD9-9DF1-779E339B8ACF}" type="datetimeFigureOut">
               <a:rPr lang="ko-KR" altLang="en-US" smtClean="0"/>
-              <a:t>2023-04-10</a:t>
+              <a:t>2023-04-14</a:t>
             </a:fld>
             <a:endParaRPr lang="ko-KR" altLang="en-US"/>
           </a:p>
@@ -4728,7 +4729,7 @@
           <a:p>
             <a:fld id="{FFDD0AB6-E136-4BD9-9DF1-779E339B8ACF}" type="datetimeFigureOut">
               <a:rPr lang="ko-KR" altLang="en-US" smtClean="0"/>
-              <a:t>2023-04-10</a:t>
+              <a:t>2023-04-14</a:t>
             </a:fld>
             <a:endParaRPr lang="ko-KR" altLang="en-US"/>
           </a:p>
@@ -4969,7 +4970,7 @@
           <a:p>
             <a:fld id="{FFDD0AB6-E136-4BD9-9DF1-779E339B8ACF}" type="datetimeFigureOut">
               <a:rPr lang="ko-KR" altLang="en-US" smtClean="0"/>
-              <a:t>2023-04-10</a:t>
+              <a:t>2023-04-14</a:t>
             </a:fld>
             <a:endParaRPr lang="ko-KR" altLang="en-US"/>
           </a:p>
@@ -9764,6 +9765,249 @@
 </p:sld>
 </file>
 
+<file path=ppt/slides/slide5.xml><?xml version="1.0" encoding="utf-8"?>
+<p:sld xmlns:a="http://schemas.openxmlformats.org/drawingml/2006/main" xmlns:r="http://schemas.openxmlformats.org/officeDocument/2006/relationships" xmlns:p="http://schemas.openxmlformats.org/presentationml/2006/main">
+  <p:cSld>
+    <p:spTree>
+      <p:nvGrpSpPr>
+        <p:cNvPr id="1" name=""/>
+        <p:cNvGrpSpPr/>
+        <p:nvPr/>
+      </p:nvGrpSpPr>
+      <p:grpSpPr>
+        <a:xfrm>
+          <a:off x="0" y="0"/>
+          <a:ext cx="0" cy="0"/>
+          <a:chOff x="0" y="0"/>
+          <a:chExt cx="0" cy="0"/>
+        </a:xfrm>
+      </p:grpSpPr>
+      <p:sp>
+        <p:nvSpPr>
+          <p:cNvPr id="2" name="TextBox 1">
+            <a:extLst>
+              <a:ext uri="{FF2B5EF4-FFF2-40B4-BE49-F238E27FC236}">
+                <a16:creationId xmlns:a16="http://schemas.microsoft.com/office/drawing/2014/main" id="{CC48A094-01A4-59B3-48C1-51147558C8A7}"/>
+              </a:ext>
+            </a:extLst>
+          </p:cNvPr>
+          <p:cNvSpPr txBox="1"/>
+          <p:nvPr/>
+        </p:nvSpPr>
+        <p:spPr>
+          <a:xfrm>
+            <a:off x="834501" y="1651247"/>
+            <a:ext cx="10582182" cy="2585323"/>
+          </a:xfrm>
+          <a:prstGeom prst="rect">
+            <a:avLst/>
+          </a:prstGeom>
+          <a:noFill/>
+        </p:spPr>
+        <p:txBody>
+          <a:bodyPr wrap="square" rtlCol="0">
+            <a:spAutoFit/>
+          </a:bodyPr>
+          <a:lstStyle/>
+          <a:p>
+            <a:r>
+              <a:rPr lang="ko-KR" altLang="en-US" dirty="0"/>
+              <a:t>게임은 총 </a:t>
+            </a:r>
+            <a:r>
+              <a:rPr lang="en-US" altLang="ko-KR" dirty="0"/>
+              <a:t>3</a:t>
+            </a:r>
+            <a:r>
+              <a:rPr lang="ko-KR" altLang="en-US" dirty="0"/>
+              <a:t>개의 층으로 되어있고 목숨은 </a:t>
+            </a:r>
+            <a:r>
+              <a:rPr lang="en-US" altLang="ko-KR" dirty="0"/>
+              <a:t>1</a:t>
+            </a:r>
+            <a:r>
+              <a:rPr lang="ko-KR" altLang="en-US" dirty="0"/>
+              <a:t>개로 진행된다</a:t>
+            </a:r>
+            <a:r>
+              <a:rPr lang="en-US" altLang="ko-KR" dirty="0"/>
+              <a:t>.</a:t>
+            </a:r>
+          </a:p>
+          <a:p>
+            <a:r>
+              <a:rPr lang="ko-KR" altLang="en-US" dirty="0"/>
+              <a:t>각 보스를 잡아도 세이브는 없이 쭉 진행</a:t>
+            </a:r>
+            <a:r>
+              <a:rPr lang="en-US" altLang="ko-KR" dirty="0"/>
+              <a:t>.</a:t>
+            </a:r>
+          </a:p>
+          <a:p>
+            <a:r>
+              <a:rPr lang="ko-KR" altLang="en-US" dirty="0"/>
+              <a:t>죽을 경우 문구가 뜨며 </a:t>
+            </a:r>
+            <a:r>
+              <a:rPr lang="ko-KR" altLang="en-US" dirty="0" err="1"/>
+              <a:t>레벨업</a:t>
+            </a:r>
+            <a:r>
+              <a:rPr lang="ko-KR" altLang="en-US" dirty="0"/>
+              <a:t> 이벤트 진행</a:t>
+            </a:r>
+            <a:endParaRPr lang="en-US" altLang="ko-KR" dirty="0"/>
+          </a:p>
+          <a:p>
+            <a:r>
+              <a:rPr lang="ko-KR" altLang="en-US" dirty="0"/>
+              <a:t>레벨을 통해 </a:t>
+            </a:r>
+            <a:r>
+              <a:rPr lang="ko-KR" altLang="en-US" dirty="0" err="1"/>
+              <a:t>스텟을</a:t>
+            </a:r>
+            <a:r>
+              <a:rPr lang="ko-KR" altLang="en-US" dirty="0"/>
+              <a:t> 상승시킬 수 있다</a:t>
+            </a:r>
+            <a:r>
+              <a:rPr lang="en-US" altLang="ko-KR" dirty="0"/>
+              <a:t>.</a:t>
+            </a:r>
+          </a:p>
+          <a:p>
+            <a:r>
+              <a:rPr lang="en-US" altLang="ko-KR" dirty="0"/>
+              <a:t>1</a:t>
+            </a:r>
+            <a:r>
+              <a:rPr lang="ko-KR" altLang="en-US" dirty="0"/>
+              <a:t>층 </a:t>
+            </a:r>
+            <a:r>
+              <a:rPr lang="en-US" altLang="ko-KR" dirty="0"/>
+              <a:t>: </a:t>
+            </a:r>
+            <a:r>
+              <a:rPr lang="ko-KR" altLang="en-US" dirty="0" err="1"/>
+              <a:t>벨리알</a:t>
+            </a:r>
+            <a:r>
+              <a:rPr lang="en-US" altLang="ko-KR" dirty="0"/>
+              <a:t>(</a:t>
+            </a:r>
+            <a:r>
+              <a:rPr lang="ko-KR" altLang="en-US" dirty="0" err="1"/>
+              <a:t>소드패턴</a:t>
+            </a:r>
+            <a:r>
+              <a:rPr lang="ko-KR" altLang="en-US" dirty="0"/>
+              <a:t> 제외</a:t>
+            </a:r>
+            <a:r>
+              <a:rPr lang="en-US" altLang="ko-KR" dirty="0"/>
+              <a:t>, </a:t>
+            </a:r>
+            <a:r>
+              <a:rPr lang="ko-KR" altLang="en-US" dirty="0"/>
+              <a:t>패턴별로 리소스 정리 완</a:t>
+            </a:r>
+            <a:r>
+              <a:rPr lang="en-US" altLang="ko-KR" dirty="0"/>
+              <a:t>)</a:t>
+            </a:r>
+          </a:p>
+          <a:p>
+            <a:r>
+              <a:rPr lang="en-US" altLang="ko-KR" dirty="0"/>
+              <a:t>2</a:t>
+            </a:r>
+            <a:r>
+              <a:rPr lang="ko-KR" altLang="en-US" dirty="0"/>
+              <a:t>층</a:t>
+            </a:r>
+            <a:r>
+              <a:rPr lang="en-US" altLang="ko-KR" dirty="0"/>
+              <a:t> : </a:t>
+            </a:r>
+            <a:r>
+              <a:rPr lang="ko-KR" altLang="en-US" dirty="0" err="1"/>
+              <a:t>투낙</a:t>
+            </a:r>
+            <a:r>
+              <a:rPr lang="en-US" altLang="ko-KR" dirty="0"/>
+              <a:t> (</a:t>
+            </a:r>
+            <a:r>
+              <a:rPr lang="ko-KR" altLang="en-US" dirty="0"/>
+              <a:t>패턴별로 리소스 정리 완</a:t>
+            </a:r>
+            <a:r>
+              <a:rPr lang="en-US" altLang="ko-KR" dirty="0"/>
+              <a:t>)</a:t>
+            </a:r>
+          </a:p>
+          <a:p>
+            <a:r>
+              <a:rPr lang="en-US" altLang="ko-KR" dirty="0"/>
+              <a:t>3</a:t>
+            </a:r>
+            <a:r>
+              <a:rPr lang="ko-KR" altLang="en-US" dirty="0"/>
+              <a:t>층 </a:t>
+            </a:r>
+            <a:r>
+              <a:rPr lang="en-US" altLang="ko-KR" dirty="0"/>
+              <a:t>: </a:t>
+            </a:r>
+            <a:r>
+              <a:rPr lang="ko-KR" altLang="en-US" dirty="0" err="1"/>
+              <a:t>슬라임메이커</a:t>
+            </a:r>
+            <a:r>
+              <a:rPr lang="en-US" altLang="ko-KR" dirty="0"/>
+              <a:t> (</a:t>
+            </a:r>
+            <a:r>
+              <a:rPr lang="ko-KR" altLang="en-US" dirty="0"/>
+              <a:t>패턴별로 리소스 정리 완</a:t>
+            </a:r>
+            <a:r>
+              <a:rPr lang="en-US" altLang="ko-KR" dirty="0"/>
+              <a:t>)</a:t>
+            </a:r>
+          </a:p>
+          <a:p>
+            <a:endParaRPr lang="en-US" altLang="ko-KR" dirty="0"/>
+          </a:p>
+          <a:p>
+            <a:r>
+              <a:rPr lang="ko-KR" altLang="en-US" dirty="0"/>
+              <a:t>각층의 모든 보스를 잡으면 게임이 종료된다</a:t>
+            </a:r>
+            <a:r>
+              <a:rPr lang="en-US" altLang="ko-KR" dirty="0"/>
+              <a:t>.</a:t>
+            </a:r>
+          </a:p>
+        </p:txBody>
+      </p:sp>
+    </p:spTree>
+    <p:extLst>
+      <p:ext uri="{BB962C8B-B14F-4D97-AF65-F5344CB8AC3E}">
+        <p14:creationId xmlns:p14="http://schemas.microsoft.com/office/powerpoint/2010/main" val="294742348"/>
+      </p:ext>
+    </p:extLst>
+  </p:cSld>
+  <p:clrMapOvr>
+    <a:masterClrMapping/>
+  </p:clrMapOvr>
+</p:sld>
+</file>
+
 <file path=ppt/theme/theme1.xml><?xml version="1.0" encoding="utf-8"?>
 <a:theme xmlns:a="http://schemas.openxmlformats.org/drawingml/2006/main" name="Office 테마">
   <a:themeElements>
